--- a/presentations/Fundamental Big Data Analysis & Science - Introduction.pptx
+++ b/presentations/Fundamental Big Data Analysis & Science - Introduction.pptx
@@ -6389,6 +6389,30 @@
           <a:p>
             <a:r>
               <a:rPr lang="en-US" dirty="0"/>
+              <a:t>Talk: Data wrangling</a:t>
+            </a:r>
+          </a:p>
+          <a:p>
+            <a:pPr lvl="1"/>
+            <a:r>
+              <a:rPr lang="en-US" dirty="0"/>
+              <a:t>What is it?</a:t>
+            </a:r>
+          </a:p>
+          <a:p>
+            <a:pPr lvl="1"/>
+            <a:r>
+              <a:rPr lang="en-US" dirty="0"/>
+              <a:t>Why do we need it?</a:t>
+            </a:r>
+          </a:p>
+          <a:p>
+            <a:pPr lvl="1"/>
+            <a:endParaRPr lang="en-US" dirty="0"/>
+          </a:p>
+          <a:p>
+            <a:r>
+              <a:rPr lang="en-US" dirty="0"/>
               <a:t>Let’s do stuff</a:t>
             </a:r>
           </a:p>

--- a/presentations/Fundamental Big Data Analysis & Science - Introduction.pptx
+++ b/presentations/Fundamental Big Data Analysis & Science - Introduction.pptx
@@ -868,7 +868,7 @@
             <a:fld id="{B61BEF0D-F0BB-DE4B-95CE-6DB70DBA9567}" type="datetimeFigureOut">
               <a:rPr lang="en-US" dirty="0"/>
               <a:pPr/>
-              <a:t>7/29/2018</a:t>
+              <a:t>7/30/2018</a:t>
             </a:fld>
             <a:endParaRPr lang="en-US" dirty="0"/>
           </a:p>
@@ -1116,7 +1116,7 @@
             <a:fld id="{B61BEF0D-F0BB-DE4B-95CE-6DB70DBA9567}" type="datetimeFigureOut">
               <a:rPr lang="en-US" dirty="0"/>
               <a:pPr/>
-              <a:t>7/29/2018</a:t>
+              <a:t>7/30/2018</a:t>
             </a:fld>
             <a:endParaRPr lang="en-US" dirty="0"/>
           </a:p>
@@ -1427,7 +1427,7 @@
             <a:fld id="{B61BEF0D-F0BB-DE4B-95CE-6DB70DBA9567}" type="datetimeFigureOut">
               <a:rPr lang="en-US" dirty="0"/>
               <a:pPr/>
-              <a:t>7/29/2018</a:t>
+              <a:t>7/30/2018</a:t>
             </a:fld>
             <a:endParaRPr lang="en-US" dirty="0"/>
           </a:p>
@@ -1757,7 +1757,7 @@
             <a:fld id="{B61BEF0D-F0BB-DE4B-95CE-6DB70DBA9567}" type="datetimeFigureOut">
               <a:rPr lang="en-US" dirty="0"/>
               <a:pPr/>
-              <a:t>7/29/2018</a:t>
+              <a:t>7/30/2018</a:t>
             </a:fld>
             <a:endParaRPr lang="en-US" dirty="0"/>
           </a:p>
@@ -2068,7 +2068,7 @@
             <a:fld id="{B61BEF0D-F0BB-DE4B-95CE-6DB70DBA9567}" type="datetimeFigureOut">
               <a:rPr lang="en-US" dirty="0"/>
               <a:pPr/>
-              <a:t>7/29/2018</a:t>
+              <a:t>7/30/2018</a:t>
             </a:fld>
             <a:endParaRPr lang="en-US" dirty="0"/>
           </a:p>
@@ -2458,7 +2458,7 @@
             <a:fld id="{B61BEF0D-F0BB-DE4B-95CE-6DB70DBA9567}" type="datetimeFigureOut">
               <a:rPr lang="en-US" dirty="0"/>
               <a:pPr/>
-              <a:t>7/29/2018</a:t>
+              <a:t>7/30/2018</a:t>
             </a:fld>
             <a:endParaRPr lang="en-US" dirty="0"/>
           </a:p>
@@ -2624,7 +2624,7 @@
           <a:p>
             <a:fld id="{55C6B4A9-1611-4792-9094-5F34BCA07E0B}" type="datetimeFigureOut">
               <a:rPr lang="en-US" dirty="0"/>
-              <a:t>7/29/2018</a:t>
+              <a:t>7/30/2018</a:t>
             </a:fld>
             <a:endParaRPr lang="en-US" dirty="0"/>
           </a:p>
@@ -2800,7 +2800,7 @@
             <a:fld id="{B61BEF0D-F0BB-DE4B-95CE-6DB70DBA9567}" type="datetimeFigureOut">
               <a:rPr lang="en-US" dirty="0"/>
               <a:pPr/>
-              <a:t>7/29/2018</a:t>
+              <a:t>7/30/2018</a:t>
             </a:fld>
             <a:endParaRPr lang="en-US" dirty="0"/>
           </a:p>
@@ -2966,7 +2966,7 @@
           <a:p>
             <a:fld id="{42A54C80-263E-416B-A8E0-580EDEADCBDC}" type="datetimeFigureOut">
               <a:rPr lang="en-US" dirty="0"/>
-              <a:t>7/29/2018</a:t>
+              <a:t>7/30/2018</a:t>
             </a:fld>
             <a:endParaRPr lang="en-US" dirty="0"/>
           </a:p>
@@ -3209,7 +3209,7 @@
             <a:fld id="{B61BEF0D-F0BB-DE4B-95CE-6DB70DBA9567}" type="datetimeFigureOut">
               <a:rPr lang="en-US" dirty="0"/>
               <a:pPr/>
-              <a:t>7/29/2018</a:t>
+              <a:t>7/30/2018</a:t>
             </a:fld>
             <a:endParaRPr lang="en-US" dirty="0"/>
           </a:p>
@@ -3437,7 +3437,7 @@
           <a:p>
             <a:fld id="{42A54C80-263E-416B-A8E0-580EDEADCBDC}" type="datetimeFigureOut">
               <a:rPr lang="en-US" dirty="0"/>
-              <a:t>7/29/2018</a:t>
+              <a:t>7/30/2018</a:t>
             </a:fld>
             <a:endParaRPr lang="en-US" dirty="0"/>
           </a:p>
@@ -3807,7 +3807,7 @@
             <a:fld id="{B61BEF0D-F0BB-DE4B-95CE-6DB70DBA9567}" type="datetimeFigureOut">
               <a:rPr lang="en-US" dirty="0"/>
               <a:pPr/>
-              <a:t>7/29/2018</a:t>
+              <a:t>7/30/2018</a:t>
             </a:fld>
             <a:endParaRPr lang="en-US" dirty="0"/>
           </a:p>
@@ -3927,7 +3927,7 @@
             <a:fld id="{B61BEF0D-F0BB-DE4B-95CE-6DB70DBA9567}" type="datetimeFigureOut">
               <a:rPr lang="en-US" dirty="0"/>
               <a:pPr/>
-              <a:t>7/29/2018</a:t>
+              <a:t>7/30/2018</a:t>
             </a:fld>
             <a:endParaRPr lang="en-US" dirty="0"/>
           </a:p>
@@ -4019,7 +4019,7 @@
             <a:fld id="{B61BEF0D-F0BB-DE4B-95CE-6DB70DBA9567}" type="datetimeFigureOut">
               <a:rPr lang="en-US" dirty="0"/>
               <a:pPr/>
-              <a:t>7/29/2018</a:t>
+              <a:t>7/30/2018</a:t>
             </a:fld>
             <a:endParaRPr lang="en-US" dirty="0"/>
           </a:p>
@@ -4270,7 +4270,7 @@
           <a:p>
             <a:fld id="{42A54C80-263E-416B-A8E0-580EDEADCBDC}" type="datetimeFigureOut">
               <a:rPr lang="en-US" dirty="0"/>
-              <a:t>7/29/2018</a:t>
+              <a:t>7/30/2018</a:t>
             </a:fld>
             <a:endParaRPr lang="en-US" dirty="0"/>
           </a:p>
@@ -4572,7 +4572,7 @@
             <a:fld id="{B61BEF0D-F0BB-DE4B-95CE-6DB70DBA9567}" type="datetimeFigureOut">
               <a:rPr lang="en-US" dirty="0"/>
               <a:pPr/>
-              <a:t>7/29/2018</a:t>
+              <a:t>7/30/2018</a:t>
             </a:fld>
             <a:endParaRPr lang="en-US" dirty="0"/>
           </a:p>
@@ -5270,7 +5270,7 @@
             <a:fld id="{B61BEF0D-F0BB-DE4B-95CE-6DB70DBA9567}" type="datetimeFigureOut">
               <a:rPr lang="en-US" dirty="0"/>
               <a:pPr/>
-              <a:t>7/29/2018</a:t>
+              <a:t>7/30/2018</a:t>
             </a:fld>
             <a:endParaRPr lang="en-US" dirty="0"/>
           </a:p>
@@ -6064,7 +6064,7 @@
           <a:p>
             <a:r>
               <a:rPr lang="en-US" dirty="0"/>
-              <a:t>4 days of data analytics &amp; data science fundamentals</a:t>
+              <a:t>Data Science woo!</a:t>
             </a:r>
           </a:p>
           <a:p>
@@ -6091,7 +6091,7 @@
             <a:pPr lvl="1"/>
             <a:r>
               <a:rPr lang="en-US" dirty="0"/>
-              <a:t>Methods like supervised and unsupervised learning, classification, regression, clustering, and principal component analysis.</a:t>
+              <a:t>Methods like supervised and unsupervised learning, linear regression, and classification</a:t>
             </a:r>
           </a:p>
           <a:p>
@@ -6202,21 +6202,21 @@
           <a:p>
             <a:r>
               <a:rPr lang="en-US" dirty="0"/>
-              <a:t>Talk: Data science vs Data analytics</a:t>
+              <a:t>Talk: Data science</a:t>
             </a:r>
           </a:p>
           <a:p>
             <a:pPr lvl="1"/>
             <a:r>
               <a:rPr lang="en-US" dirty="0"/>
-              <a:t>Who does what?</a:t>
+              <a:t>What is science with data?</a:t>
             </a:r>
           </a:p>
           <a:p>
             <a:pPr lvl="1"/>
             <a:r>
               <a:rPr lang="en-US" dirty="0"/>
-              <a:t>Skill sets required</a:t>
+              <a:t>Some cool projects</a:t>
             </a:r>
           </a:p>
           <a:p>
@@ -6504,7 +6504,7 @@
         <p:spPr/>
         <p:txBody>
           <a:bodyPr>
-            <a:normAutofit fontScale="77500" lnSpcReduction="20000"/>
+            <a:normAutofit fontScale="92500" lnSpcReduction="20000"/>
           </a:bodyPr>
           <a:lstStyle/>
           <a:p>
@@ -6529,12 +6529,6 @@
           </a:p>
           <a:p>
             <a:pPr lvl="1"/>
-            <a:r>
-              <a:rPr lang="en-US" dirty="0"/>
-              <a:t>Supervised and unsupervised learning, classification, regression, clustering, and principal component analysis</a:t>
-            </a:r>
-          </a:p>
-          <a:p>
             <a:endParaRPr lang="en-US" dirty="0"/>
           </a:p>
           <a:p>
@@ -6551,14 +6545,7 @@
             <a:pPr lvl="1"/>
             <a:r>
               <a:rPr lang="en-US" dirty="0"/>
-              <a:t>Optional</a:t>
-            </a:r>
-          </a:p>
-          <a:p>
-            <a:pPr lvl="2"/>
-            <a:r>
-              <a:rPr lang="en-US" dirty="0"/>
-              <a:t>More exercises if you feel you want to practice more</a:t>
+              <a:t>Optional: More exercises if you feel you want to practice more</a:t>
             </a:r>
             <a:endParaRPr lang="nl-NL" dirty="0"/>
           </a:p>
